--- a/Docs/DesignDoc/综合外卖管理系统.pptx
+++ b/Docs/DesignDoc/综合外卖管理系统.pptx
@@ -18,15 +18,15 @@
     <p:sldId id="265" r:id="rId9"/>
     <p:sldId id="294" r:id="rId10"/>
     <p:sldId id="295" r:id="rId11"/>
-    <p:sldId id="271" r:id="rId12"/>
-    <p:sldId id="272" r:id="rId13"/>
-    <p:sldId id="292" r:id="rId14"/>
-    <p:sldId id="293" r:id="rId15"/>
-    <p:sldId id="277" r:id="rId16"/>
-    <p:sldId id="303" r:id="rId17"/>
-    <p:sldId id="300" r:id="rId18"/>
-    <p:sldId id="301" r:id="rId19"/>
-    <p:sldId id="302" r:id="rId20"/>
+    <p:sldId id="277" r:id="rId12"/>
+    <p:sldId id="303" r:id="rId13"/>
+    <p:sldId id="300" r:id="rId14"/>
+    <p:sldId id="301" r:id="rId15"/>
+    <p:sldId id="302" r:id="rId16"/>
+    <p:sldId id="271" r:id="rId17"/>
+    <p:sldId id="272" r:id="rId18"/>
+    <p:sldId id="292" r:id="rId19"/>
+    <p:sldId id="293" r:id="rId20"/>
     <p:sldId id="289" r:id="rId21"/>
     <p:sldId id="278" r:id="rId22"/>
     <p:sldId id="279" r:id="rId23"/>
@@ -159,14 +159,6 @@
             <p14:sldId id="295"/>
           </p14:sldIdLst>
         </p14:section>
-        <p14:section name="团队协作" id="{F4427B86-1B0B-4F7F-B48B-D26D71A78A0B}">
-          <p14:sldIdLst>
-            <p14:sldId id="271"/>
-            <p14:sldId id="272"/>
-            <p14:sldId id="292"/>
-            <p14:sldId id="293"/>
-          </p14:sldIdLst>
-        </p14:section>
         <p14:section name="系统设计" id="{2A62FF43-CC97-4CAF-8164-75CC052DDC94}">
           <p14:sldIdLst>
             <p14:sldId id="277"/>
@@ -190,6 +182,14 @@
         <p14:section name="商家模块" id="{43A105AF-8618-4078-9BFA-8A5FA68D0149}">
           <p14:sldIdLst>
             <p14:sldId id="302"/>
+          </p14:sldIdLst>
+        </p14:section>
+        <p14:section name="团队协作" id="{F4427B86-1B0B-4F7F-B48B-D26D71A78A0B}">
+          <p14:sldIdLst>
+            <p14:sldId id="271"/>
+            <p14:sldId id="272"/>
+            <p14:sldId id="292"/>
+            <p14:sldId id="293"/>
           </p14:sldIdLst>
         </p14:section>
         <p14:section name="结尾总结" id="{82F18B78-8AF1-49CE-8C90-4D04F24A10D1}">
@@ -6199,6 +6199,732 @@
       </p:grpSpPr>
       <p:sp>
         <p:nvSpPr>
+          <p:cNvPr id="7" name="Title 4">
+            <a:extLst>
+              <a:ext uri="{FF2B5EF4-FFF2-40B4-BE49-F238E27FC236}">
+                <a16:creationId xmlns:a16="http://schemas.microsoft.com/office/drawing/2014/main" id="{E90D46CE-49F5-24E5-C1EE-BD9533627DDE}"/>
+              </a:ext>
+            </a:extLst>
+          </p:cNvPr>
+          <p:cNvSpPr>
+            <a:spLocks noGrp="1"/>
+          </p:cNvSpPr>
+          <p:nvPr>
+            <p:ph type="title"/>
+          </p:nvPr>
+        </p:nvSpPr>
+        <p:spPr>
+          <a:xfrm>
+            <a:off x="7024468" y="2114843"/>
+            <a:ext cx="4180254" cy="1740066"/>
+          </a:xfrm>
+        </p:spPr>
+        <p:txBody>
+          <a:bodyPr wrap="square">
+            <a:normAutofit fontScale="90000"/>
+          </a:bodyPr>
+          <a:lstStyle/>
+          <a:p>
+            <a:pPr algn="l">
+              <a:lnSpc>
+                <a:spcPct val="150000"/>
+              </a:lnSpc>
+            </a:pPr>
+            <a:r>
+              <a:rPr lang="zh-CN" altLang="en-US" sz="4800" dirty="0"/>
+              <a:t>系统设计</a:t>
+            </a:r>
+            <a:br>
+              <a:rPr lang="en-US" altLang="zh-CN" dirty="0"/>
+            </a:br>
+            <a:r>
+              <a:rPr lang="en-US" altLang="zh-CN" b="0" dirty="0">
+                <a:solidFill>
+                  <a:schemeClr val="accent1"/>
+                </a:solidFill>
+                <a:latin typeface="+mn-ea"/>
+              </a:rPr>
+              <a:t>System Design</a:t>
+            </a:r>
+            <a:endParaRPr lang="en-US" dirty="0">
+              <a:solidFill>
+                <a:schemeClr val="accent1"/>
+              </a:solidFill>
+            </a:endParaRPr>
+          </a:p>
+        </p:txBody>
+      </p:sp>
+    </p:spTree>
+    <p:custDataLst>
+      <p:tags r:id="rId1"/>
+    </p:custDataLst>
+    <p:extLst>
+      <p:ext uri="{BB962C8B-B14F-4D97-AF65-F5344CB8AC3E}">
+        <p14:creationId xmlns:p14="http://schemas.microsoft.com/office/powerpoint/2010/main" val="3530399402"/>
+      </p:ext>
+    </p:extLst>
+  </p:cSld>
+  <p:clrMapOvr>
+    <a:masterClrMapping/>
+  </p:clrMapOvr>
+</p:sld>
+</file>
+
+<file path=ppt/slides/slide12.xml><?xml version="1.0" encoding="utf-8"?>
+<p:sld xmlns:a="http://schemas.openxmlformats.org/drawingml/2006/main" xmlns:r="http://schemas.openxmlformats.org/officeDocument/2006/relationships" xmlns:p="http://schemas.openxmlformats.org/presentationml/2006/main">
+  <p:cSld>
+    <p:spTree>
+      <p:nvGrpSpPr>
+        <p:cNvPr id="1" name="">
+          <a:extLst>
+            <a:ext uri="{FF2B5EF4-FFF2-40B4-BE49-F238E27FC236}">
+              <a16:creationId xmlns:a16="http://schemas.microsoft.com/office/drawing/2014/main" id="{AFBC4B78-10FE-03C2-7BAC-07C6E5A95933}"/>
+            </a:ext>
+          </a:extLst>
+        </p:cNvPr>
+        <p:cNvGrpSpPr/>
+        <p:nvPr/>
+      </p:nvGrpSpPr>
+      <p:grpSpPr>
+        <a:xfrm>
+          <a:off x="0" y="0"/>
+          <a:ext cx="0" cy="0"/>
+          <a:chOff x="0" y="0"/>
+          <a:chExt cx="0" cy="0"/>
+        </a:xfrm>
+      </p:grpSpPr>
+      <p:sp>
+        <p:nvSpPr>
+          <p:cNvPr id="10" name="矩形 9">
+            <a:extLst>
+              <a:ext uri="{FF2B5EF4-FFF2-40B4-BE49-F238E27FC236}">
+                <a16:creationId xmlns:a16="http://schemas.microsoft.com/office/drawing/2014/main" id="{193DE1D8-B905-4140-6585-8D0072F1DAAD}"/>
+              </a:ext>
+            </a:extLst>
+          </p:cNvPr>
+          <p:cNvSpPr/>
+          <p:nvPr/>
+        </p:nvSpPr>
+        <p:spPr>
+          <a:xfrm>
+            <a:off x="-1" y="666986"/>
+            <a:ext cx="12192001" cy="93413"/>
+          </a:xfrm>
+          <a:prstGeom prst="rect">
+            <a:avLst/>
+          </a:prstGeom>
+          <a:ln>
+            <a:noFill/>
+          </a:ln>
+        </p:spPr>
+        <p:style>
+          <a:lnRef idx="2">
+            <a:schemeClr val="accent1">
+              <a:shade val="15000"/>
+            </a:schemeClr>
+          </a:lnRef>
+          <a:fillRef idx="1">
+            <a:schemeClr val="accent1"/>
+          </a:fillRef>
+          <a:effectRef idx="0">
+            <a:schemeClr val="accent1"/>
+          </a:effectRef>
+          <a:fontRef idx="minor">
+            <a:schemeClr val="lt1"/>
+          </a:fontRef>
+        </p:style>
+        <p:txBody>
+          <a:bodyPr rtlCol="0" anchor="ctr"/>
+          <a:lstStyle/>
+          <a:p>
+            <a:pPr algn="ctr"/>
+            <a:endParaRPr lang="zh-CN" altLang="en-US"/>
+          </a:p>
+        </p:txBody>
+      </p:sp>
+      <p:sp>
+        <p:nvSpPr>
+          <p:cNvPr id="17" name="文本框 16">
+            <a:extLst>
+              <a:ext uri="{FF2B5EF4-FFF2-40B4-BE49-F238E27FC236}">
+                <a16:creationId xmlns:a16="http://schemas.microsoft.com/office/drawing/2014/main" id="{0945616A-CBD3-8922-26DF-08893516E5F7}"/>
+              </a:ext>
+            </a:extLst>
+          </p:cNvPr>
+          <p:cNvSpPr txBox="1"/>
+          <p:nvPr/>
+        </p:nvSpPr>
+        <p:spPr>
+          <a:xfrm>
+            <a:off x="129940" y="168441"/>
+            <a:ext cx="3339967" cy="523220"/>
+          </a:xfrm>
+          <a:prstGeom prst="rect">
+            <a:avLst/>
+          </a:prstGeom>
+          <a:noFill/>
+        </p:spPr>
+        <p:txBody>
+          <a:bodyPr wrap="square" rtlCol="0">
+            <a:spAutoFit/>
+          </a:bodyPr>
+          <a:lstStyle/>
+          <a:p>
+            <a:r>
+              <a:rPr lang="zh-CN" altLang="en-US" sz="2800" b="1" dirty="0"/>
+              <a:t>系统设计</a:t>
+            </a:r>
+          </a:p>
+        </p:txBody>
+      </p:sp>
+      <p:sp>
+        <p:nvSpPr>
+          <p:cNvPr id="21" name="文本框 20">
+            <a:extLst>
+              <a:ext uri="{FF2B5EF4-FFF2-40B4-BE49-F238E27FC236}">
+                <a16:creationId xmlns:a16="http://schemas.microsoft.com/office/drawing/2014/main" id="{62F01194-93A3-BEC6-0AC9-2973C5F080D8}"/>
+              </a:ext>
+            </a:extLst>
+          </p:cNvPr>
+          <p:cNvSpPr txBox="1"/>
+          <p:nvPr/>
+        </p:nvSpPr>
+        <p:spPr>
+          <a:xfrm>
+            <a:off x="10515599" y="266876"/>
+            <a:ext cx="1604963" cy="400110"/>
+          </a:xfrm>
+          <a:prstGeom prst="rect">
+            <a:avLst/>
+          </a:prstGeom>
+          <a:noFill/>
+        </p:spPr>
+        <p:txBody>
+          <a:bodyPr wrap="square" rtlCol="0">
+            <a:spAutoFit/>
+          </a:bodyPr>
+          <a:lstStyle/>
+          <a:p>
+            <a:pPr algn="r"/>
+            <a:r>
+              <a:rPr lang="zh-CN" altLang="en-US" sz="2000" dirty="0"/>
+              <a:t>消费者模块</a:t>
+            </a:r>
+          </a:p>
+        </p:txBody>
+      </p:sp>
+    </p:spTree>
+    <p:custDataLst>
+      <p:tags r:id="rId1"/>
+    </p:custDataLst>
+    <p:extLst>
+      <p:ext uri="{BB962C8B-B14F-4D97-AF65-F5344CB8AC3E}">
+        <p14:creationId xmlns:p14="http://schemas.microsoft.com/office/powerpoint/2010/main" val="1824920483"/>
+      </p:ext>
+    </p:extLst>
+  </p:cSld>
+  <p:clrMapOvr>
+    <a:masterClrMapping/>
+  </p:clrMapOvr>
+</p:sld>
+</file>
+
+<file path=ppt/slides/slide13.xml><?xml version="1.0" encoding="utf-8"?>
+<p:sld xmlns:a="http://schemas.openxmlformats.org/drawingml/2006/main" xmlns:r="http://schemas.openxmlformats.org/officeDocument/2006/relationships" xmlns:p="http://schemas.openxmlformats.org/presentationml/2006/main">
+  <p:cSld>
+    <p:spTree>
+      <p:nvGrpSpPr>
+        <p:cNvPr id="1" name="">
+          <a:extLst>
+            <a:ext uri="{FF2B5EF4-FFF2-40B4-BE49-F238E27FC236}">
+              <a16:creationId xmlns:a16="http://schemas.microsoft.com/office/drawing/2014/main" id="{6057898D-5D42-F677-F3DF-5BB182853B10}"/>
+            </a:ext>
+          </a:extLst>
+        </p:cNvPr>
+        <p:cNvGrpSpPr/>
+        <p:nvPr/>
+      </p:nvGrpSpPr>
+      <p:grpSpPr>
+        <a:xfrm>
+          <a:off x="0" y="0"/>
+          <a:ext cx="0" cy="0"/>
+          <a:chOff x="0" y="0"/>
+          <a:chExt cx="0" cy="0"/>
+        </a:xfrm>
+      </p:grpSpPr>
+      <p:sp>
+        <p:nvSpPr>
+          <p:cNvPr id="10" name="矩形 9">
+            <a:extLst>
+              <a:ext uri="{FF2B5EF4-FFF2-40B4-BE49-F238E27FC236}">
+                <a16:creationId xmlns:a16="http://schemas.microsoft.com/office/drawing/2014/main" id="{66CAD544-2BAA-F551-A6FA-9B71674CC199}"/>
+              </a:ext>
+            </a:extLst>
+          </p:cNvPr>
+          <p:cNvSpPr/>
+          <p:nvPr/>
+        </p:nvSpPr>
+        <p:spPr>
+          <a:xfrm>
+            <a:off x="-1" y="666986"/>
+            <a:ext cx="12192001" cy="93413"/>
+          </a:xfrm>
+          <a:prstGeom prst="rect">
+            <a:avLst/>
+          </a:prstGeom>
+          <a:ln>
+            <a:noFill/>
+          </a:ln>
+        </p:spPr>
+        <p:style>
+          <a:lnRef idx="2">
+            <a:schemeClr val="accent1">
+              <a:shade val="15000"/>
+            </a:schemeClr>
+          </a:lnRef>
+          <a:fillRef idx="1">
+            <a:schemeClr val="accent1"/>
+          </a:fillRef>
+          <a:effectRef idx="0">
+            <a:schemeClr val="accent1"/>
+          </a:effectRef>
+          <a:fontRef idx="minor">
+            <a:schemeClr val="lt1"/>
+          </a:fontRef>
+        </p:style>
+        <p:txBody>
+          <a:bodyPr rtlCol="0" anchor="ctr"/>
+          <a:lstStyle/>
+          <a:p>
+            <a:pPr algn="ctr"/>
+            <a:endParaRPr lang="zh-CN" altLang="en-US"/>
+          </a:p>
+        </p:txBody>
+      </p:sp>
+      <p:sp>
+        <p:nvSpPr>
+          <p:cNvPr id="17" name="文本框 16">
+            <a:extLst>
+              <a:ext uri="{FF2B5EF4-FFF2-40B4-BE49-F238E27FC236}">
+                <a16:creationId xmlns:a16="http://schemas.microsoft.com/office/drawing/2014/main" id="{5448AA3C-C085-895A-FDB0-82C622707C41}"/>
+              </a:ext>
+            </a:extLst>
+          </p:cNvPr>
+          <p:cNvSpPr txBox="1"/>
+          <p:nvPr/>
+        </p:nvSpPr>
+        <p:spPr>
+          <a:xfrm>
+            <a:off x="129940" y="168441"/>
+            <a:ext cx="3339967" cy="523220"/>
+          </a:xfrm>
+          <a:prstGeom prst="rect">
+            <a:avLst/>
+          </a:prstGeom>
+          <a:noFill/>
+        </p:spPr>
+        <p:txBody>
+          <a:bodyPr wrap="square" rtlCol="0">
+            <a:spAutoFit/>
+          </a:bodyPr>
+          <a:lstStyle/>
+          <a:p>
+            <a:r>
+              <a:rPr lang="zh-CN" altLang="en-US" sz="2800" b="1" dirty="0"/>
+              <a:t>系统设计</a:t>
+            </a:r>
+          </a:p>
+        </p:txBody>
+      </p:sp>
+      <p:sp>
+        <p:nvSpPr>
+          <p:cNvPr id="21" name="文本框 20">
+            <a:extLst>
+              <a:ext uri="{FF2B5EF4-FFF2-40B4-BE49-F238E27FC236}">
+                <a16:creationId xmlns:a16="http://schemas.microsoft.com/office/drawing/2014/main" id="{0035FB7F-E2F3-13F3-430E-9102D07F6F3A}"/>
+              </a:ext>
+            </a:extLst>
+          </p:cNvPr>
+          <p:cNvSpPr txBox="1"/>
+          <p:nvPr/>
+        </p:nvSpPr>
+        <p:spPr>
+          <a:xfrm>
+            <a:off x="10515599" y="266876"/>
+            <a:ext cx="1604963" cy="400110"/>
+          </a:xfrm>
+          <a:prstGeom prst="rect">
+            <a:avLst/>
+          </a:prstGeom>
+          <a:noFill/>
+        </p:spPr>
+        <p:txBody>
+          <a:bodyPr wrap="square" rtlCol="0">
+            <a:spAutoFit/>
+          </a:bodyPr>
+          <a:lstStyle/>
+          <a:p>
+            <a:pPr algn="r"/>
+            <a:r>
+              <a:rPr lang="zh-CN" altLang="en-US" sz="2000" dirty="0"/>
+              <a:t>管理者模块</a:t>
+            </a:r>
+          </a:p>
+        </p:txBody>
+      </p:sp>
+    </p:spTree>
+    <p:custDataLst>
+      <p:tags r:id="rId1"/>
+    </p:custDataLst>
+    <p:extLst>
+      <p:ext uri="{BB962C8B-B14F-4D97-AF65-F5344CB8AC3E}">
+        <p14:creationId xmlns:p14="http://schemas.microsoft.com/office/powerpoint/2010/main" val="2126310726"/>
+      </p:ext>
+    </p:extLst>
+  </p:cSld>
+  <p:clrMapOvr>
+    <a:masterClrMapping/>
+  </p:clrMapOvr>
+</p:sld>
+</file>
+
+<file path=ppt/slides/slide14.xml><?xml version="1.0" encoding="utf-8"?>
+<p:sld xmlns:a="http://schemas.openxmlformats.org/drawingml/2006/main" xmlns:r="http://schemas.openxmlformats.org/officeDocument/2006/relationships" xmlns:p="http://schemas.openxmlformats.org/presentationml/2006/main">
+  <p:cSld>
+    <p:spTree>
+      <p:nvGrpSpPr>
+        <p:cNvPr id="1" name="">
+          <a:extLst>
+            <a:ext uri="{FF2B5EF4-FFF2-40B4-BE49-F238E27FC236}">
+              <a16:creationId xmlns:a16="http://schemas.microsoft.com/office/drawing/2014/main" id="{E11CCEA3-A730-AC55-586F-2FD73B5151BD}"/>
+            </a:ext>
+          </a:extLst>
+        </p:cNvPr>
+        <p:cNvGrpSpPr/>
+        <p:nvPr/>
+      </p:nvGrpSpPr>
+      <p:grpSpPr>
+        <a:xfrm>
+          <a:off x="0" y="0"/>
+          <a:ext cx="0" cy="0"/>
+          <a:chOff x="0" y="0"/>
+          <a:chExt cx="0" cy="0"/>
+        </a:xfrm>
+      </p:grpSpPr>
+      <p:sp>
+        <p:nvSpPr>
+          <p:cNvPr id="10" name="矩形 9">
+            <a:extLst>
+              <a:ext uri="{FF2B5EF4-FFF2-40B4-BE49-F238E27FC236}">
+                <a16:creationId xmlns:a16="http://schemas.microsoft.com/office/drawing/2014/main" id="{1E0FAB33-AB46-A006-791F-32C64F3D7968}"/>
+              </a:ext>
+            </a:extLst>
+          </p:cNvPr>
+          <p:cNvSpPr/>
+          <p:nvPr/>
+        </p:nvSpPr>
+        <p:spPr>
+          <a:xfrm>
+            <a:off x="-1" y="666986"/>
+            <a:ext cx="12192001" cy="93413"/>
+          </a:xfrm>
+          <a:prstGeom prst="rect">
+            <a:avLst/>
+          </a:prstGeom>
+          <a:ln>
+            <a:noFill/>
+          </a:ln>
+        </p:spPr>
+        <p:style>
+          <a:lnRef idx="2">
+            <a:schemeClr val="accent1">
+              <a:shade val="15000"/>
+            </a:schemeClr>
+          </a:lnRef>
+          <a:fillRef idx="1">
+            <a:schemeClr val="accent1"/>
+          </a:fillRef>
+          <a:effectRef idx="0">
+            <a:schemeClr val="accent1"/>
+          </a:effectRef>
+          <a:fontRef idx="minor">
+            <a:schemeClr val="lt1"/>
+          </a:fontRef>
+        </p:style>
+        <p:txBody>
+          <a:bodyPr rtlCol="0" anchor="ctr"/>
+          <a:lstStyle/>
+          <a:p>
+            <a:pPr algn="ctr"/>
+            <a:endParaRPr lang="zh-CN" altLang="en-US"/>
+          </a:p>
+        </p:txBody>
+      </p:sp>
+      <p:sp>
+        <p:nvSpPr>
+          <p:cNvPr id="17" name="文本框 16">
+            <a:extLst>
+              <a:ext uri="{FF2B5EF4-FFF2-40B4-BE49-F238E27FC236}">
+                <a16:creationId xmlns:a16="http://schemas.microsoft.com/office/drawing/2014/main" id="{75679AC4-A561-A7A0-2F0E-08998D321367}"/>
+              </a:ext>
+            </a:extLst>
+          </p:cNvPr>
+          <p:cNvSpPr txBox="1"/>
+          <p:nvPr/>
+        </p:nvSpPr>
+        <p:spPr>
+          <a:xfrm>
+            <a:off x="129940" y="168441"/>
+            <a:ext cx="3339967" cy="523220"/>
+          </a:xfrm>
+          <a:prstGeom prst="rect">
+            <a:avLst/>
+          </a:prstGeom>
+          <a:noFill/>
+        </p:spPr>
+        <p:txBody>
+          <a:bodyPr wrap="square" rtlCol="0">
+            <a:spAutoFit/>
+          </a:bodyPr>
+          <a:lstStyle/>
+          <a:p>
+            <a:r>
+              <a:rPr lang="zh-CN" altLang="en-US" sz="2800" b="1" dirty="0"/>
+              <a:t>系统设计</a:t>
+            </a:r>
+          </a:p>
+        </p:txBody>
+      </p:sp>
+      <p:sp>
+        <p:nvSpPr>
+          <p:cNvPr id="21" name="文本框 20">
+            <a:extLst>
+              <a:ext uri="{FF2B5EF4-FFF2-40B4-BE49-F238E27FC236}">
+                <a16:creationId xmlns:a16="http://schemas.microsoft.com/office/drawing/2014/main" id="{4577B773-E43A-8AEC-F704-6CB5509234BE}"/>
+              </a:ext>
+            </a:extLst>
+          </p:cNvPr>
+          <p:cNvSpPr txBox="1"/>
+          <p:nvPr/>
+        </p:nvSpPr>
+        <p:spPr>
+          <a:xfrm>
+            <a:off x="10515599" y="266876"/>
+            <a:ext cx="1604963" cy="400110"/>
+          </a:xfrm>
+          <a:prstGeom prst="rect">
+            <a:avLst/>
+          </a:prstGeom>
+          <a:noFill/>
+        </p:spPr>
+        <p:txBody>
+          <a:bodyPr wrap="square" rtlCol="0">
+            <a:spAutoFit/>
+          </a:bodyPr>
+          <a:lstStyle/>
+          <a:p>
+            <a:pPr algn="r"/>
+            <a:r>
+              <a:rPr lang="zh-CN" altLang="en-US" sz="2000" dirty="0"/>
+              <a:t>骑手模块</a:t>
+            </a:r>
+          </a:p>
+        </p:txBody>
+      </p:sp>
+    </p:spTree>
+    <p:custDataLst>
+      <p:tags r:id="rId1"/>
+    </p:custDataLst>
+    <p:extLst>
+      <p:ext uri="{BB962C8B-B14F-4D97-AF65-F5344CB8AC3E}">
+        <p14:creationId xmlns:p14="http://schemas.microsoft.com/office/powerpoint/2010/main" val="2890251409"/>
+      </p:ext>
+    </p:extLst>
+  </p:cSld>
+  <p:clrMapOvr>
+    <a:masterClrMapping/>
+  </p:clrMapOvr>
+</p:sld>
+</file>
+
+<file path=ppt/slides/slide15.xml><?xml version="1.0" encoding="utf-8"?>
+<p:sld xmlns:a="http://schemas.openxmlformats.org/drawingml/2006/main" xmlns:r="http://schemas.openxmlformats.org/officeDocument/2006/relationships" xmlns:p="http://schemas.openxmlformats.org/presentationml/2006/main">
+  <p:cSld>
+    <p:spTree>
+      <p:nvGrpSpPr>
+        <p:cNvPr id="1" name="">
+          <a:extLst>
+            <a:ext uri="{FF2B5EF4-FFF2-40B4-BE49-F238E27FC236}">
+              <a16:creationId xmlns:a16="http://schemas.microsoft.com/office/drawing/2014/main" id="{107CEA55-4A15-0EBC-BE25-ADEC2E0809DE}"/>
+            </a:ext>
+          </a:extLst>
+        </p:cNvPr>
+        <p:cNvGrpSpPr/>
+        <p:nvPr/>
+      </p:nvGrpSpPr>
+      <p:grpSpPr>
+        <a:xfrm>
+          <a:off x="0" y="0"/>
+          <a:ext cx="0" cy="0"/>
+          <a:chOff x="0" y="0"/>
+          <a:chExt cx="0" cy="0"/>
+        </a:xfrm>
+      </p:grpSpPr>
+      <p:sp>
+        <p:nvSpPr>
+          <p:cNvPr id="10" name="矩形 9">
+            <a:extLst>
+              <a:ext uri="{FF2B5EF4-FFF2-40B4-BE49-F238E27FC236}">
+                <a16:creationId xmlns:a16="http://schemas.microsoft.com/office/drawing/2014/main" id="{215AE270-E504-6128-ADA6-4086548FB288}"/>
+              </a:ext>
+            </a:extLst>
+          </p:cNvPr>
+          <p:cNvSpPr/>
+          <p:nvPr/>
+        </p:nvSpPr>
+        <p:spPr>
+          <a:xfrm>
+            <a:off x="-1" y="666986"/>
+            <a:ext cx="12192001" cy="93413"/>
+          </a:xfrm>
+          <a:prstGeom prst="rect">
+            <a:avLst/>
+          </a:prstGeom>
+          <a:ln>
+            <a:noFill/>
+          </a:ln>
+        </p:spPr>
+        <p:style>
+          <a:lnRef idx="2">
+            <a:schemeClr val="accent1">
+              <a:shade val="15000"/>
+            </a:schemeClr>
+          </a:lnRef>
+          <a:fillRef idx="1">
+            <a:schemeClr val="accent1"/>
+          </a:fillRef>
+          <a:effectRef idx="0">
+            <a:schemeClr val="accent1"/>
+          </a:effectRef>
+          <a:fontRef idx="minor">
+            <a:schemeClr val="lt1"/>
+          </a:fontRef>
+        </p:style>
+        <p:txBody>
+          <a:bodyPr rtlCol="0" anchor="ctr"/>
+          <a:lstStyle/>
+          <a:p>
+            <a:pPr algn="ctr"/>
+            <a:endParaRPr lang="zh-CN" altLang="en-US"/>
+          </a:p>
+        </p:txBody>
+      </p:sp>
+      <p:sp>
+        <p:nvSpPr>
+          <p:cNvPr id="17" name="文本框 16">
+            <a:extLst>
+              <a:ext uri="{FF2B5EF4-FFF2-40B4-BE49-F238E27FC236}">
+                <a16:creationId xmlns:a16="http://schemas.microsoft.com/office/drawing/2014/main" id="{AC6FCC7A-FBFF-5599-8922-45E761CA3BB7}"/>
+              </a:ext>
+            </a:extLst>
+          </p:cNvPr>
+          <p:cNvSpPr txBox="1"/>
+          <p:nvPr/>
+        </p:nvSpPr>
+        <p:spPr>
+          <a:xfrm>
+            <a:off x="129940" y="168441"/>
+            <a:ext cx="3339967" cy="523220"/>
+          </a:xfrm>
+          <a:prstGeom prst="rect">
+            <a:avLst/>
+          </a:prstGeom>
+          <a:noFill/>
+        </p:spPr>
+        <p:txBody>
+          <a:bodyPr wrap="square" rtlCol="0">
+            <a:spAutoFit/>
+          </a:bodyPr>
+          <a:lstStyle/>
+          <a:p>
+            <a:r>
+              <a:rPr lang="zh-CN" altLang="en-US" sz="2800" b="1" dirty="0"/>
+              <a:t>系统设计</a:t>
+            </a:r>
+          </a:p>
+        </p:txBody>
+      </p:sp>
+      <p:sp>
+        <p:nvSpPr>
+          <p:cNvPr id="21" name="文本框 20">
+            <a:extLst>
+              <a:ext uri="{FF2B5EF4-FFF2-40B4-BE49-F238E27FC236}">
+                <a16:creationId xmlns:a16="http://schemas.microsoft.com/office/drawing/2014/main" id="{94D5AC4A-11FC-8724-676F-EC79AFDA2A5C}"/>
+              </a:ext>
+            </a:extLst>
+          </p:cNvPr>
+          <p:cNvSpPr txBox="1"/>
+          <p:nvPr/>
+        </p:nvSpPr>
+        <p:spPr>
+          <a:xfrm>
+            <a:off x="10515599" y="266876"/>
+            <a:ext cx="1604963" cy="400110"/>
+          </a:xfrm>
+          <a:prstGeom prst="rect">
+            <a:avLst/>
+          </a:prstGeom>
+          <a:noFill/>
+        </p:spPr>
+        <p:txBody>
+          <a:bodyPr wrap="square" rtlCol="0">
+            <a:spAutoFit/>
+          </a:bodyPr>
+          <a:lstStyle/>
+          <a:p>
+            <a:pPr algn="r"/>
+            <a:r>
+              <a:rPr lang="zh-CN" altLang="en-US" sz="2000" dirty="0"/>
+              <a:t>商家模块</a:t>
+            </a:r>
+          </a:p>
+        </p:txBody>
+      </p:sp>
+    </p:spTree>
+    <p:custDataLst>
+      <p:tags r:id="rId1"/>
+    </p:custDataLst>
+    <p:extLst>
+      <p:ext uri="{BB962C8B-B14F-4D97-AF65-F5344CB8AC3E}">
+        <p14:creationId xmlns:p14="http://schemas.microsoft.com/office/powerpoint/2010/main" val="855280003"/>
+      </p:ext>
+    </p:extLst>
+  </p:cSld>
+  <p:clrMapOvr>
+    <a:masterClrMapping/>
+  </p:clrMapOvr>
+</p:sld>
+</file>
+
+<file path=ppt/slides/slide16.xml><?xml version="1.0" encoding="utf-8"?>
+<p:sld xmlns:a="http://schemas.openxmlformats.org/drawingml/2006/main" xmlns:r="http://schemas.openxmlformats.org/officeDocument/2006/relationships" xmlns:p="http://schemas.openxmlformats.org/presentationml/2006/main">
+  <p:cSld>
+    <p:spTree>
+      <p:nvGrpSpPr>
+        <p:cNvPr id="1" name=""/>
+        <p:cNvGrpSpPr/>
+        <p:nvPr/>
+      </p:nvGrpSpPr>
+      <p:grpSpPr>
+        <a:xfrm>
+          <a:off x="0" y="0"/>
+          <a:ext cx="0" cy="0"/>
+          <a:chOff x="0" y="0"/>
+          <a:chExt cx="0" cy="0"/>
+        </a:xfrm>
+      </p:grpSpPr>
+      <p:sp>
+        <p:nvSpPr>
           <p:cNvPr id="5" name="Title 4"/>
           <p:cNvSpPr>
             <a:spLocks noGrp="1"/>
@@ -6264,7 +6990,7 @@
 </p:sld>
 </file>
 
-<file path=ppt/slides/slide12.xml><?xml version="1.0" encoding="utf-8"?>
+<file path=ppt/slides/slide17.xml><?xml version="1.0" encoding="utf-8"?>
 <p:sld xmlns:a="http://schemas.openxmlformats.org/drawingml/2006/main" xmlns:r="http://schemas.openxmlformats.org/officeDocument/2006/relationships" xmlns:p="http://schemas.openxmlformats.org/presentationml/2006/main">
   <p:cSld>
     <p:spTree>
@@ -6845,7 +7571,7 @@
 </p:sld>
 </file>
 
-<file path=ppt/slides/slide13.xml><?xml version="1.0" encoding="utf-8"?>
+<file path=ppt/slides/slide18.xml><?xml version="1.0" encoding="utf-8"?>
 <p:sld xmlns:a="http://schemas.openxmlformats.org/drawingml/2006/main" xmlns:r="http://schemas.openxmlformats.org/officeDocument/2006/relationships" xmlns:p="http://schemas.openxmlformats.org/presentationml/2006/main">
   <p:cSld>
     <p:spTree>
@@ -7613,7 +8339,7 @@
 </p:sld>
 </file>
 
-<file path=ppt/slides/slide14.xml><?xml version="1.0" encoding="utf-8"?>
+<file path=ppt/slides/slide19.xml><?xml version="1.0" encoding="utf-8"?>
 <p:sld xmlns:a="http://schemas.openxmlformats.org/drawingml/2006/main" xmlns:r="http://schemas.openxmlformats.org/officeDocument/2006/relationships" xmlns:p="http://schemas.openxmlformats.org/presentationml/2006/main">
   <p:cSld>
     <p:spTree>
@@ -8215,732 +8941,6 @@
 </p:sld>
 </file>
 
-<file path=ppt/slides/slide15.xml><?xml version="1.0" encoding="utf-8"?>
-<p:sld xmlns:a="http://schemas.openxmlformats.org/drawingml/2006/main" xmlns:r="http://schemas.openxmlformats.org/officeDocument/2006/relationships" xmlns:p="http://schemas.openxmlformats.org/presentationml/2006/main">
-  <p:cSld>
-    <p:spTree>
-      <p:nvGrpSpPr>
-        <p:cNvPr id="1" name=""/>
-        <p:cNvGrpSpPr/>
-        <p:nvPr/>
-      </p:nvGrpSpPr>
-      <p:grpSpPr>
-        <a:xfrm>
-          <a:off x="0" y="0"/>
-          <a:ext cx="0" cy="0"/>
-          <a:chOff x="0" y="0"/>
-          <a:chExt cx="0" cy="0"/>
-        </a:xfrm>
-      </p:grpSpPr>
-      <p:sp>
-        <p:nvSpPr>
-          <p:cNvPr id="7" name="Title 4">
-            <a:extLst>
-              <a:ext uri="{FF2B5EF4-FFF2-40B4-BE49-F238E27FC236}">
-                <a16:creationId xmlns:a16="http://schemas.microsoft.com/office/drawing/2014/main" id="{E90D46CE-49F5-24E5-C1EE-BD9533627DDE}"/>
-              </a:ext>
-            </a:extLst>
-          </p:cNvPr>
-          <p:cNvSpPr>
-            <a:spLocks noGrp="1"/>
-          </p:cNvSpPr>
-          <p:nvPr>
-            <p:ph type="title"/>
-          </p:nvPr>
-        </p:nvSpPr>
-        <p:spPr>
-          <a:xfrm>
-            <a:off x="7024468" y="2114843"/>
-            <a:ext cx="4180254" cy="1740066"/>
-          </a:xfrm>
-        </p:spPr>
-        <p:txBody>
-          <a:bodyPr wrap="square">
-            <a:normAutofit fontScale="90000"/>
-          </a:bodyPr>
-          <a:lstStyle/>
-          <a:p>
-            <a:pPr algn="l">
-              <a:lnSpc>
-                <a:spcPct val="150000"/>
-              </a:lnSpc>
-            </a:pPr>
-            <a:r>
-              <a:rPr lang="zh-CN" altLang="en-US" sz="4800" dirty="0"/>
-              <a:t>系统设计</a:t>
-            </a:r>
-            <a:br>
-              <a:rPr lang="en-US" altLang="zh-CN" dirty="0"/>
-            </a:br>
-            <a:r>
-              <a:rPr lang="en-US" altLang="zh-CN" b="0" dirty="0">
-                <a:solidFill>
-                  <a:schemeClr val="accent1"/>
-                </a:solidFill>
-                <a:latin typeface="+mn-ea"/>
-              </a:rPr>
-              <a:t>System Design</a:t>
-            </a:r>
-            <a:endParaRPr lang="en-US" dirty="0">
-              <a:solidFill>
-                <a:schemeClr val="accent1"/>
-              </a:solidFill>
-            </a:endParaRPr>
-          </a:p>
-        </p:txBody>
-      </p:sp>
-    </p:spTree>
-    <p:custDataLst>
-      <p:tags r:id="rId1"/>
-    </p:custDataLst>
-    <p:extLst>
-      <p:ext uri="{BB962C8B-B14F-4D97-AF65-F5344CB8AC3E}">
-        <p14:creationId xmlns:p14="http://schemas.microsoft.com/office/powerpoint/2010/main" val="3530399402"/>
-      </p:ext>
-    </p:extLst>
-  </p:cSld>
-  <p:clrMapOvr>
-    <a:masterClrMapping/>
-  </p:clrMapOvr>
-</p:sld>
-</file>
-
-<file path=ppt/slides/slide16.xml><?xml version="1.0" encoding="utf-8"?>
-<p:sld xmlns:a="http://schemas.openxmlformats.org/drawingml/2006/main" xmlns:r="http://schemas.openxmlformats.org/officeDocument/2006/relationships" xmlns:p="http://schemas.openxmlformats.org/presentationml/2006/main">
-  <p:cSld>
-    <p:spTree>
-      <p:nvGrpSpPr>
-        <p:cNvPr id="1" name="">
-          <a:extLst>
-            <a:ext uri="{FF2B5EF4-FFF2-40B4-BE49-F238E27FC236}">
-              <a16:creationId xmlns:a16="http://schemas.microsoft.com/office/drawing/2014/main" id="{AFBC4B78-10FE-03C2-7BAC-07C6E5A95933}"/>
-            </a:ext>
-          </a:extLst>
-        </p:cNvPr>
-        <p:cNvGrpSpPr/>
-        <p:nvPr/>
-      </p:nvGrpSpPr>
-      <p:grpSpPr>
-        <a:xfrm>
-          <a:off x="0" y="0"/>
-          <a:ext cx="0" cy="0"/>
-          <a:chOff x="0" y="0"/>
-          <a:chExt cx="0" cy="0"/>
-        </a:xfrm>
-      </p:grpSpPr>
-      <p:sp>
-        <p:nvSpPr>
-          <p:cNvPr id="10" name="矩形 9">
-            <a:extLst>
-              <a:ext uri="{FF2B5EF4-FFF2-40B4-BE49-F238E27FC236}">
-                <a16:creationId xmlns:a16="http://schemas.microsoft.com/office/drawing/2014/main" id="{193DE1D8-B905-4140-6585-8D0072F1DAAD}"/>
-              </a:ext>
-            </a:extLst>
-          </p:cNvPr>
-          <p:cNvSpPr/>
-          <p:nvPr/>
-        </p:nvSpPr>
-        <p:spPr>
-          <a:xfrm>
-            <a:off x="-1" y="666986"/>
-            <a:ext cx="12192001" cy="93413"/>
-          </a:xfrm>
-          <a:prstGeom prst="rect">
-            <a:avLst/>
-          </a:prstGeom>
-          <a:ln>
-            <a:noFill/>
-          </a:ln>
-        </p:spPr>
-        <p:style>
-          <a:lnRef idx="2">
-            <a:schemeClr val="accent1">
-              <a:shade val="15000"/>
-            </a:schemeClr>
-          </a:lnRef>
-          <a:fillRef idx="1">
-            <a:schemeClr val="accent1"/>
-          </a:fillRef>
-          <a:effectRef idx="0">
-            <a:schemeClr val="accent1"/>
-          </a:effectRef>
-          <a:fontRef idx="minor">
-            <a:schemeClr val="lt1"/>
-          </a:fontRef>
-        </p:style>
-        <p:txBody>
-          <a:bodyPr rtlCol="0" anchor="ctr"/>
-          <a:lstStyle/>
-          <a:p>
-            <a:pPr algn="ctr"/>
-            <a:endParaRPr lang="zh-CN" altLang="en-US"/>
-          </a:p>
-        </p:txBody>
-      </p:sp>
-      <p:sp>
-        <p:nvSpPr>
-          <p:cNvPr id="17" name="文本框 16">
-            <a:extLst>
-              <a:ext uri="{FF2B5EF4-FFF2-40B4-BE49-F238E27FC236}">
-                <a16:creationId xmlns:a16="http://schemas.microsoft.com/office/drawing/2014/main" id="{0945616A-CBD3-8922-26DF-08893516E5F7}"/>
-              </a:ext>
-            </a:extLst>
-          </p:cNvPr>
-          <p:cNvSpPr txBox="1"/>
-          <p:nvPr/>
-        </p:nvSpPr>
-        <p:spPr>
-          <a:xfrm>
-            <a:off x="129940" y="168441"/>
-            <a:ext cx="3339967" cy="523220"/>
-          </a:xfrm>
-          <a:prstGeom prst="rect">
-            <a:avLst/>
-          </a:prstGeom>
-          <a:noFill/>
-        </p:spPr>
-        <p:txBody>
-          <a:bodyPr wrap="square" rtlCol="0">
-            <a:spAutoFit/>
-          </a:bodyPr>
-          <a:lstStyle/>
-          <a:p>
-            <a:r>
-              <a:rPr lang="zh-CN" altLang="en-US" sz="2800" b="1" dirty="0"/>
-              <a:t>系统设计</a:t>
-            </a:r>
-          </a:p>
-        </p:txBody>
-      </p:sp>
-      <p:sp>
-        <p:nvSpPr>
-          <p:cNvPr id="21" name="文本框 20">
-            <a:extLst>
-              <a:ext uri="{FF2B5EF4-FFF2-40B4-BE49-F238E27FC236}">
-                <a16:creationId xmlns:a16="http://schemas.microsoft.com/office/drawing/2014/main" id="{62F01194-93A3-BEC6-0AC9-2973C5F080D8}"/>
-              </a:ext>
-            </a:extLst>
-          </p:cNvPr>
-          <p:cNvSpPr txBox="1"/>
-          <p:nvPr/>
-        </p:nvSpPr>
-        <p:spPr>
-          <a:xfrm>
-            <a:off x="10515599" y="266876"/>
-            <a:ext cx="1604963" cy="400110"/>
-          </a:xfrm>
-          <a:prstGeom prst="rect">
-            <a:avLst/>
-          </a:prstGeom>
-          <a:noFill/>
-        </p:spPr>
-        <p:txBody>
-          <a:bodyPr wrap="square" rtlCol="0">
-            <a:spAutoFit/>
-          </a:bodyPr>
-          <a:lstStyle/>
-          <a:p>
-            <a:pPr algn="r"/>
-            <a:r>
-              <a:rPr lang="zh-CN" altLang="en-US" sz="2000" dirty="0"/>
-              <a:t>消费者模块</a:t>
-            </a:r>
-          </a:p>
-        </p:txBody>
-      </p:sp>
-    </p:spTree>
-    <p:custDataLst>
-      <p:tags r:id="rId1"/>
-    </p:custDataLst>
-    <p:extLst>
-      <p:ext uri="{BB962C8B-B14F-4D97-AF65-F5344CB8AC3E}">
-        <p14:creationId xmlns:p14="http://schemas.microsoft.com/office/powerpoint/2010/main" val="1824920483"/>
-      </p:ext>
-    </p:extLst>
-  </p:cSld>
-  <p:clrMapOvr>
-    <a:masterClrMapping/>
-  </p:clrMapOvr>
-</p:sld>
-</file>
-
-<file path=ppt/slides/slide17.xml><?xml version="1.0" encoding="utf-8"?>
-<p:sld xmlns:a="http://schemas.openxmlformats.org/drawingml/2006/main" xmlns:r="http://schemas.openxmlformats.org/officeDocument/2006/relationships" xmlns:p="http://schemas.openxmlformats.org/presentationml/2006/main">
-  <p:cSld>
-    <p:spTree>
-      <p:nvGrpSpPr>
-        <p:cNvPr id="1" name="">
-          <a:extLst>
-            <a:ext uri="{FF2B5EF4-FFF2-40B4-BE49-F238E27FC236}">
-              <a16:creationId xmlns:a16="http://schemas.microsoft.com/office/drawing/2014/main" id="{6057898D-5D42-F677-F3DF-5BB182853B10}"/>
-            </a:ext>
-          </a:extLst>
-        </p:cNvPr>
-        <p:cNvGrpSpPr/>
-        <p:nvPr/>
-      </p:nvGrpSpPr>
-      <p:grpSpPr>
-        <a:xfrm>
-          <a:off x="0" y="0"/>
-          <a:ext cx="0" cy="0"/>
-          <a:chOff x="0" y="0"/>
-          <a:chExt cx="0" cy="0"/>
-        </a:xfrm>
-      </p:grpSpPr>
-      <p:sp>
-        <p:nvSpPr>
-          <p:cNvPr id="10" name="矩形 9">
-            <a:extLst>
-              <a:ext uri="{FF2B5EF4-FFF2-40B4-BE49-F238E27FC236}">
-                <a16:creationId xmlns:a16="http://schemas.microsoft.com/office/drawing/2014/main" id="{66CAD544-2BAA-F551-A6FA-9B71674CC199}"/>
-              </a:ext>
-            </a:extLst>
-          </p:cNvPr>
-          <p:cNvSpPr/>
-          <p:nvPr/>
-        </p:nvSpPr>
-        <p:spPr>
-          <a:xfrm>
-            <a:off x="-1" y="666986"/>
-            <a:ext cx="12192001" cy="93413"/>
-          </a:xfrm>
-          <a:prstGeom prst="rect">
-            <a:avLst/>
-          </a:prstGeom>
-          <a:ln>
-            <a:noFill/>
-          </a:ln>
-        </p:spPr>
-        <p:style>
-          <a:lnRef idx="2">
-            <a:schemeClr val="accent1">
-              <a:shade val="15000"/>
-            </a:schemeClr>
-          </a:lnRef>
-          <a:fillRef idx="1">
-            <a:schemeClr val="accent1"/>
-          </a:fillRef>
-          <a:effectRef idx="0">
-            <a:schemeClr val="accent1"/>
-          </a:effectRef>
-          <a:fontRef idx="minor">
-            <a:schemeClr val="lt1"/>
-          </a:fontRef>
-        </p:style>
-        <p:txBody>
-          <a:bodyPr rtlCol="0" anchor="ctr"/>
-          <a:lstStyle/>
-          <a:p>
-            <a:pPr algn="ctr"/>
-            <a:endParaRPr lang="zh-CN" altLang="en-US"/>
-          </a:p>
-        </p:txBody>
-      </p:sp>
-      <p:sp>
-        <p:nvSpPr>
-          <p:cNvPr id="17" name="文本框 16">
-            <a:extLst>
-              <a:ext uri="{FF2B5EF4-FFF2-40B4-BE49-F238E27FC236}">
-                <a16:creationId xmlns:a16="http://schemas.microsoft.com/office/drawing/2014/main" id="{5448AA3C-C085-895A-FDB0-82C622707C41}"/>
-              </a:ext>
-            </a:extLst>
-          </p:cNvPr>
-          <p:cNvSpPr txBox="1"/>
-          <p:nvPr/>
-        </p:nvSpPr>
-        <p:spPr>
-          <a:xfrm>
-            <a:off x="129940" y="168441"/>
-            <a:ext cx="3339967" cy="523220"/>
-          </a:xfrm>
-          <a:prstGeom prst="rect">
-            <a:avLst/>
-          </a:prstGeom>
-          <a:noFill/>
-        </p:spPr>
-        <p:txBody>
-          <a:bodyPr wrap="square" rtlCol="0">
-            <a:spAutoFit/>
-          </a:bodyPr>
-          <a:lstStyle/>
-          <a:p>
-            <a:r>
-              <a:rPr lang="zh-CN" altLang="en-US" sz="2800" b="1" dirty="0"/>
-              <a:t>系统设计</a:t>
-            </a:r>
-          </a:p>
-        </p:txBody>
-      </p:sp>
-      <p:sp>
-        <p:nvSpPr>
-          <p:cNvPr id="21" name="文本框 20">
-            <a:extLst>
-              <a:ext uri="{FF2B5EF4-FFF2-40B4-BE49-F238E27FC236}">
-                <a16:creationId xmlns:a16="http://schemas.microsoft.com/office/drawing/2014/main" id="{0035FB7F-E2F3-13F3-430E-9102D07F6F3A}"/>
-              </a:ext>
-            </a:extLst>
-          </p:cNvPr>
-          <p:cNvSpPr txBox="1"/>
-          <p:nvPr/>
-        </p:nvSpPr>
-        <p:spPr>
-          <a:xfrm>
-            <a:off x="10515599" y="266876"/>
-            <a:ext cx="1604963" cy="400110"/>
-          </a:xfrm>
-          <a:prstGeom prst="rect">
-            <a:avLst/>
-          </a:prstGeom>
-          <a:noFill/>
-        </p:spPr>
-        <p:txBody>
-          <a:bodyPr wrap="square" rtlCol="0">
-            <a:spAutoFit/>
-          </a:bodyPr>
-          <a:lstStyle/>
-          <a:p>
-            <a:pPr algn="r"/>
-            <a:r>
-              <a:rPr lang="zh-CN" altLang="en-US" sz="2000" dirty="0"/>
-              <a:t>管理者模块</a:t>
-            </a:r>
-          </a:p>
-        </p:txBody>
-      </p:sp>
-    </p:spTree>
-    <p:custDataLst>
-      <p:tags r:id="rId1"/>
-    </p:custDataLst>
-    <p:extLst>
-      <p:ext uri="{BB962C8B-B14F-4D97-AF65-F5344CB8AC3E}">
-        <p14:creationId xmlns:p14="http://schemas.microsoft.com/office/powerpoint/2010/main" val="2126310726"/>
-      </p:ext>
-    </p:extLst>
-  </p:cSld>
-  <p:clrMapOvr>
-    <a:masterClrMapping/>
-  </p:clrMapOvr>
-</p:sld>
-</file>
-
-<file path=ppt/slides/slide18.xml><?xml version="1.0" encoding="utf-8"?>
-<p:sld xmlns:a="http://schemas.openxmlformats.org/drawingml/2006/main" xmlns:r="http://schemas.openxmlformats.org/officeDocument/2006/relationships" xmlns:p="http://schemas.openxmlformats.org/presentationml/2006/main">
-  <p:cSld>
-    <p:spTree>
-      <p:nvGrpSpPr>
-        <p:cNvPr id="1" name="">
-          <a:extLst>
-            <a:ext uri="{FF2B5EF4-FFF2-40B4-BE49-F238E27FC236}">
-              <a16:creationId xmlns:a16="http://schemas.microsoft.com/office/drawing/2014/main" id="{E11CCEA3-A730-AC55-586F-2FD73B5151BD}"/>
-            </a:ext>
-          </a:extLst>
-        </p:cNvPr>
-        <p:cNvGrpSpPr/>
-        <p:nvPr/>
-      </p:nvGrpSpPr>
-      <p:grpSpPr>
-        <a:xfrm>
-          <a:off x="0" y="0"/>
-          <a:ext cx="0" cy="0"/>
-          <a:chOff x="0" y="0"/>
-          <a:chExt cx="0" cy="0"/>
-        </a:xfrm>
-      </p:grpSpPr>
-      <p:sp>
-        <p:nvSpPr>
-          <p:cNvPr id="10" name="矩形 9">
-            <a:extLst>
-              <a:ext uri="{FF2B5EF4-FFF2-40B4-BE49-F238E27FC236}">
-                <a16:creationId xmlns:a16="http://schemas.microsoft.com/office/drawing/2014/main" id="{1E0FAB33-AB46-A006-791F-32C64F3D7968}"/>
-              </a:ext>
-            </a:extLst>
-          </p:cNvPr>
-          <p:cNvSpPr/>
-          <p:nvPr/>
-        </p:nvSpPr>
-        <p:spPr>
-          <a:xfrm>
-            <a:off x="-1" y="666986"/>
-            <a:ext cx="12192001" cy="93413"/>
-          </a:xfrm>
-          <a:prstGeom prst="rect">
-            <a:avLst/>
-          </a:prstGeom>
-          <a:ln>
-            <a:noFill/>
-          </a:ln>
-        </p:spPr>
-        <p:style>
-          <a:lnRef idx="2">
-            <a:schemeClr val="accent1">
-              <a:shade val="15000"/>
-            </a:schemeClr>
-          </a:lnRef>
-          <a:fillRef idx="1">
-            <a:schemeClr val="accent1"/>
-          </a:fillRef>
-          <a:effectRef idx="0">
-            <a:schemeClr val="accent1"/>
-          </a:effectRef>
-          <a:fontRef idx="minor">
-            <a:schemeClr val="lt1"/>
-          </a:fontRef>
-        </p:style>
-        <p:txBody>
-          <a:bodyPr rtlCol="0" anchor="ctr"/>
-          <a:lstStyle/>
-          <a:p>
-            <a:pPr algn="ctr"/>
-            <a:endParaRPr lang="zh-CN" altLang="en-US"/>
-          </a:p>
-        </p:txBody>
-      </p:sp>
-      <p:sp>
-        <p:nvSpPr>
-          <p:cNvPr id="17" name="文本框 16">
-            <a:extLst>
-              <a:ext uri="{FF2B5EF4-FFF2-40B4-BE49-F238E27FC236}">
-                <a16:creationId xmlns:a16="http://schemas.microsoft.com/office/drawing/2014/main" id="{75679AC4-A561-A7A0-2F0E-08998D321367}"/>
-              </a:ext>
-            </a:extLst>
-          </p:cNvPr>
-          <p:cNvSpPr txBox="1"/>
-          <p:nvPr/>
-        </p:nvSpPr>
-        <p:spPr>
-          <a:xfrm>
-            <a:off x="129940" y="168441"/>
-            <a:ext cx="3339967" cy="523220"/>
-          </a:xfrm>
-          <a:prstGeom prst="rect">
-            <a:avLst/>
-          </a:prstGeom>
-          <a:noFill/>
-        </p:spPr>
-        <p:txBody>
-          <a:bodyPr wrap="square" rtlCol="0">
-            <a:spAutoFit/>
-          </a:bodyPr>
-          <a:lstStyle/>
-          <a:p>
-            <a:r>
-              <a:rPr lang="zh-CN" altLang="en-US" sz="2800" b="1" dirty="0"/>
-              <a:t>系统设计</a:t>
-            </a:r>
-          </a:p>
-        </p:txBody>
-      </p:sp>
-      <p:sp>
-        <p:nvSpPr>
-          <p:cNvPr id="21" name="文本框 20">
-            <a:extLst>
-              <a:ext uri="{FF2B5EF4-FFF2-40B4-BE49-F238E27FC236}">
-                <a16:creationId xmlns:a16="http://schemas.microsoft.com/office/drawing/2014/main" id="{4577B773-E43A-8AEC-F704-6CB5509234BE}"/>
-              </a:ext>
-            </a:extLst>
-          </p:cNvPr>
-          <p:cNvSpPr txBox="1"/>
-          <p:nvPr/>
-        </p:nvSpPr>
-        <p:spPr>
-          <a:xfrm>
-            <a:off x="10515599" y="266876"/>
-            <a:ext cx="1604963" cy="400110"/>
-          </a:xfrm>
-          <a:prstGeom prst="rect">
-            <a:avLst/>
-          </a:prstGeom>
-          <a:noFill/>
-        </p:spPr>
-        <p:txBody>
-          <a:bodyPr wrap="square" rtlCol="0">
-            <a:spAutoFit/>
-          </a:bodyPr>
-          <a:lstStyle/>
-          <a:p>
-            <a:pPr algn="r"/>
-            <a:r>
-              <a:rPr lang="zh-CN" altLang="en-US" sz="2000" dirty="0"/>
-              <a:t>骑手模块</a:t>
-            </a:r>
-          </a:p>
-        </p:txBody>
-      </p:sp>
-    </p:spTree>
-    <p:custDataLst>
-      <p:tags r:id="rId1"/>
-    </p:custDataLst>
-    <p:extLst>
-      <p:ext uri="{BB962C8B-B14F-4D97-AF65-F5344CB8AC3E}">
-        <p14:creationId xmlns:p14="http://schemas.microsoft.com/office/powerpoint/2010/main" val="2890251409"/>
-      </p:ext>
-    </p:extLst>
-  </p:cSld>
-  <p:clrMapOvr>
-    <a:masterClrMapping/>
-  </p:clrMapOvr>
-</p:sld>
-</file>
-
-<file path=ppt/slides/slide19.xml><?xml version="1.0" encoding="utf-8"?>
-<p:sld xmlns:a="http://schemas.openxmlformats.org/drawingml/2006/main" xmlns:r="http://schemas.openxmlformats.org/officeDocument/2006/relationships" xmlns:p="http://schemas.openxmlformats.org/presentationml/2006/main">
-  <p:cSld>
-    <p:spTree>
-      <p:nvGrpSpPr>
-        <p:cNvPr id="1" name="">
-          <a:extLst>
-            <a:ext uri="{FF2B5EF4-FFF2-40B4-BE49-F238E27FC236}">
-              <a16:creationId xmlns:a16="http://schemas.microsoft.com/office/drawing/2014/main" id="{107CEA55-4A15-0EBC-BE25-ADEC2E0809DE}"/>
-            </a:ext>
-          </a:extLst>
-        </p:cNvPr>
-        <p:cNvGrpSpPr/>
-        <p:nvPr/>
-      </p:nvGrpSpPr>
-      <p:grpSpPr>
-        <a:xfrm>
-          <a:off x="0" y="0"/>
-          <a:ext cx="0" cy="0"/>
-          <a:chOff x="0" y="0"/>
-          <a:chExt cx="0" cy="0"/>
-        </a:xfrm>
-      </p:grpSpPr>
-      <p:sp>
-        <p:nvSpPr>
-          <p:cNvPr id="10" name="矩形 9">
-            <a:extLst>
-              <a:ext uri="{FF2B5EF4-FFF2-40B4-BE49-F238E27FC236}">
-                <a16:creationId xmlns:a16="http://schemas.microsoft.com/office/drawing/2014/main" id="{215AE270-E504-6128-ADA6-4086548FB288}"/>
-              </a:ext>
-            </a:extLst>
-          </p:cNvPr>
-          <p:cNvSpPr/>
-          <p:nvPr/>
-        </p:nvSpPr>
-        <p:spPr>
-          <a:xfrm>
-            <a:off x="-1" y="666986"/>
-            <a:ext cx="12192001" cy="93413"/>
-          </a:xfrm>
-          <a:prstGeom prst="rect">
-            <a:avLst/>
-          </a:prstGeom>
-          <a:ln>
-            <a:noFill/>
-          </a:ln>
-        </p:spPr>
-        <p:style>
-          <a:lnRef idx="2">
-            <a:schemeClr val="accent1">
-              <a:shade val="15000"/>
-            </a:schemeClr>
-          </a:lnRef>
-          <a:fillRef idx="1">
-            <a:schemeClr val="accent1"/>
-          </a:fillRef>
-          <a:effectRef idx="0">
-            <a:schemeClr val="accent1"/>
-          </a:effectRef>
-          <a:fontRef idx="minor">
-            <a:schemeClr val="lt1"/>
-          </a:fontRef>
-        </p:style>
-        <p:txBody>
-          <a:bodyPr rtlCol="0" anchor="ctr"/>
-          <a:lstStyle/>
-          <a:p>
-            <a:pPr algn="ctr"/>
-            <a:endParaRPr lang="zh-CN" altLang="en-US"/>
-          </a:p>
-        </p:txBody>
-      </p:sp>
-      <p:sp>
-        <p:nvSpPr>
-          <p:cNvPr id="17" name="文本框 16">
-            <a:extLst>
-              <a:ext uri="{FF2B5EF4-FFF2-40B4-BE49-F238E27FC236}">
-                <a16:creationId xmlns:a16="http://schemas.microsoft.com/office/drawing/2014/main" id="{AC6FCC7A-FBFF-5599-8922-45E761CA3BB7}"/>
-              </a:ext>
-            </a:extLst>
-          </p:cNvPr>
-          <p:cNvSpPr txBox="1"/>
-          <p:nvPr/>
-        </p:nvSpPr>
-        <p:spPr>
-          <a:xfrm>
-            <a:off x="129940" y="168441"/>
-            <a:ext cx="3339967" cy="523220"/>
-          </a:xfrm>
-          <a:prstGeom prst="rect">
-            <a:avLst/>
-          </a:prstGeom>
-          <a:noFill/>
-        </p:spPr>
-        <p:txBody>
-          <a:bodyPr wrap="square" rtlCol="0">
-            <a:spAutoFit/>
-          </a:bodyPr>
-          <a:lstStyle/>
-          <a:p>
-            <a:r>
-              <a:rPr lang="zh-CN" altLang="en-US" sz="2800" b="1" dirty="0"/>
-              <a:t>系统设计</a:t>
-            </a:r>
-          </a:p>
-        </p:txBody>
-      </p:sp>
-      <p:sp>
-        <p:nvSpPr>
-          <p:cNvPr id="21" name="文本框 20">
-            <a:extLst>
-              <a:ext uri="{FF2B5EF4-FFF2-40B4-BE49-F238E27FC236}">
-                <a16:creationId xmlns:a16="http://schemas.microsoft.com/office/drawing/2014/main" id="{94D5AC4A-11FC-8724-676F-EC79AFDA2A5C}"/>
-              </a:ext>
-            </a:extLst>
-          </p:cNvPr>
-          <p:cNvSpPr txBox="1"/>
-          <p:nvPr/>
-        </p:nvSpPr>
-        <p:spPr>
-          <a:xfrm>
-            <a:off x="10515599" y="266876"/>
-            <a:ext cx="1604963" cy="400110"/>
-          </a:xfrm>
-          <a:prstGeom prst="rect">
-            <a:avLst/>
-          </a:prstGeom>
-          <a:noFill/>
-        </p:spPr>
-        <p:txBody>
-          <a:bodyPr wrap="square" rtlCol="0">
-            <a:spAutoFit/>
-          </a:bodyPr>
-          <a:lstStyle/>
-          <a:p>
-            <a:pPr algn="r"/>
-            <a:r>
-              <a:rPr lang="zh-CN" altLang="en-US" sz="2000" dirty="0"/>
-              <a:t>商家模块</a:t>
-            </a:r>
-          </a:p>
-        </p:txBody>
-      </p:sp>
-    </p:spTree>
-    <p:custDataLst>
-      <p:tags r:id="rId1"/>
-    </p:custDataLst>
-    <p:extLst>
-      <p:ext uri="{BB962C8B-B14F-4D97-AF65-F5344CB8AC3E}">
-        <p14:creationId xmlns:p14="http://schemas.microsoft.com/office/powerpoint/2010/main" val="855280003"/>
-      </p:ext>
-    </p:extLst>
-  </p:cSld>
-  <p:clrMapOvr>
-    <a:masterClrMapping/>
-  </p:clrMapOvr>
-</p:sld>
-</file>
-
 <file path=ppt/slides/slide2.xml><?xml version="1.0" encoding="utf-8"?>
 <p:sld xmlns:a="http://schemas.openxmlformats.org/drawingml/2006/main" xmlns:r="http://schemas.openxmlformats.org/officeDocument/2006/relationships" xmlns:p="http://schemas.openxmlformats.org/presentationml/2006/main">
   <p:cSld>
@@ -9073,10 +9073,10 @@
       </p:sp>
       <p:grpSp>
         <p:nvGrpSpPr>
-          <p:cNvPr id="2" name="组合 1">
+          <p:cNvPr id="8" name="组合 7">
             <a:extLst>
               <a:ext uri="{FF2B5EF4-FFF2-40B4-BE49-F238E27FC236}">
-                <a16:creationId xmlns:a16="http://schemas.microsoft.com/office/drawing/2014/main" id="{5503927E-3A85-69CB-B65D-2241AB30C4ED}"/>
+                <a16:creationId xmlns:a16="http://schemas.microsoft.com/office/drawing/2014/main" id="{C9A9EEE5-DE30-772C-5524-44DA71A21A3D}"/>
               </a:ext>
             </a:extLst>
           </p:cNvPr>
@@ -9085,18 +9085,18 @@
         </p:nvGrpSpPr>
         <p:grpSpPr>
           <a:xfrm>
-            <a:off x="-2991954" y="0"/>
-            <a:ext cx="4119882" cy="6858000"/>
+            <a:off x="-3210057" y="-25806"/>
+            <a:ext cx="3920357" cy="6858000"/>
             <a:chOff x="8283182" y="1083"/>
-            <a:chExt cx="4119882" cy="6858000"/>
+            <a:chExt cx="3920357" cy="6858000"/>
           </a:xfrm>
         </p:grpSpPr>
         <p:sp>
           <p:nvSpPr>
-            <p:cNvPr id="3" name="矩形: 圆角 2">
+            <p:cNvPr id="9" name="矩形: 圆角 8">
               <a:extLst>
                 <a:ext uri="{FF2B5EF4-FFF2-40B4-BE49-F238E27FC236}">
-                  <a16:creationId xmlns:a16="http://schemas.microsoft.com/office/drawing/2014/main" id="{4167422A-EC0C-6ADE-2E2F-4EA23E284D4F}"/>
+                  <a16:creationId xmlns:a16="http://schemas.microsoft.com/office/drawing/2014/main" id="{F5E2B7F3-653E-8EB4-F880-ECBECD93351B}"/>
                 </a:ext>
               </a:extLst>
             </p:cNvPr>
@@ -9147,10 +9147,10 @@
         </p:sp>
         <p:sp>
           <p:nvSpPr>
-            <p:cNvPr id="4" name="文本框 3">
+            <p:cNvPr id="10" name="文本框 9">
               <a:extLst>
                 <a:ext uri="{FF2B5EF4-FFF2-40B4-BE49-F238E27FC236}">
-                  <a16:creationId xmlns:a16="http://schemas.microsoft.com/office/drawing/2014/main" id="{CF10DA50-979E-2D7D-932B-0AF345B3119A}"/>
+                  <a16:creationId xmlns:a16="http://schemas.microsoft.com/office/drawing/2014/main" id="{BAAE7E5E-84CF-4D93-58FB-458A88D101A1}"/>
                 </a:ext>
               </a:extLst>
             </p:cNvPr>
@@ -9195,10 +9195,10 @@
         </p:sp>
         <p:sp>
           <p:nvSpPr>
-            <p:cNvPr id="5" name="文本框 4">
+            <p:cNvPr id="11" name="文本框 10">
               <a:extLst>
                 <a:ext uri="{FF2B5EF4-FFF2-40B4-BE49-F238E27FC236}">
-                  <a16:creationId xmlns:a16="http://schemas.microsoft.com/office/drawing/2014/main" id="{D0A91BA6-B02E-F046-ADC2-C4317AD9A3C8}"/>
+                  <a16:creationId xmlns:a16="http://schemas.microsoft.com/office/drawing/2014/main" id="{F2B951F6-8DCC-3FFD-471E-C78126F2B6F1}"/>
                 </a:ext>
               </a:extLst>
             </p:cNvPr>
@@ -9207,7 +9207,7 @@
           </p:nvSpPr>
           <p:spPr>
             <a:xfrm>
-              <a:off x="9642252" y="2709018"/>
+              <a:off x="9442727" y="2709018"/>
               <a:ext cx="2760812" cy="1053622"/>
             </a:xfrm>
             <a:prstGeom prst="rect">
@@ -9236,7 +9236,7 @@
                   <a:latin typeface="微软雅黑" panose="020B0503020204020204" pitchFamily="34" charset="-122"/>
                   <a:ea typeface="微软雅黑" panose="020B0503020204020204" pitchFamily="34" charset="-122"/>
                 </a:rPr>
-                <a:t>系统设计</a:t>
+                <a:t>团队协作</a:t>
               </a:r>
               <a:endParaRPr lang="en-US" altLang="zh-CN" sz="2400" b="1" dirty="0">
                 <a:solidFill>
@@ -9258,7 +9258,7 @@
                 <a:rPr lang="en-US" altLang="zh-CN" sz="2000" i="1" dirty="0">
                   <a:latin typeface="+mn-ea"/>
                 </a:rPr>
-                <a:t>System Design</a:t>
+                <a:t>Team Cooperation</a:t>
               </a:r>
               <a:endParaRPr lang="zh-CN" altLang="en-US" sz="2000" b="1" i="1" dirty="0">
                 <a:solidFill>
@@ -9271,10 +9271,10 @@
         </p:sp>
         <p:sp>
           <p:nvSpPr>
-            <p:cNvPr id="6" name="任意多边形: 形状 5">
+            <p:cNvPr id="12" name="任意多边形: 形状 11">
               <a:extLst>
                 <a:ext uri="{FF2B5EF4-FFF2-40B4-BE49-F238E27FC236}">
-                  <a16:creationId xmlns:a16="http://schemas.microsoft.com/office/drawing/2014/main" id="{0E47CC74-BCB4-98AB-082B-DBFBB219FD86}"/>
+                  <a16:creationId xmlns:a16="http://schemas.microsoft.com/office/drawing/2014/main" id="{91F9ACFE-98A3-C21C-D0C6-8FCCBBE992CA}"/>
                 </a:ext>
               </a:extLst>
             </p:cNvPr>
@@ -9569,10 +9569,10 @@
       </p:grpSp>
       <p:grpSp>
         <p:nvGrpSpPr>
-          <p:cNvPr id="7" name="组合 6">
+          <p:cNvPr id="13" name="组合 12">
             <a:extLst>
               <a:ext uri="{FF2B5EF4-FFF2-40B4-BE49-F238E27FC236}">
-                <a16:creationId xmlns:a16="http://schemas.microsoft.com/office/drawing/2014/main" id="{99ED7143-EDAA-DF4D-EA90-3C9F7A66CCE2}"/>
+                <a16:creationId xmlns:a16="http://schemas.microsoft.com/office/drawing/2014/main" id="{1C819768-6D86-EF56-CFD8-30FAB7CFB1A8}"/>
               </a:ext>
             </a:extLst>
           </p:cNvPr>
@@ -9581,7 +9581,7 @@
         </p:nvGrpSpPr>
         <p:grpSpPr>
           <a:xfrm>
-            <a:off x="-2926126" y="-7049"/>
+            <a:off x="-2977940" y="-7049"/>
             <a:ext cx="3576736" cy="6858000"/>
             <a:chOff x="5844426" y="-1083"/>
             <a:chExt cx="3576736" cy="6858000"/>
@@ -9589,10 +9589,10 @@
         </p:grpSpPr>
         <p:grpSp>
           <p:nvGrpSpPr>
-            <p:cNvPr id="32" name="组合 31">
+            <p:cNvPr id="14" name="组合 13">
               <a:extLst>
                 <a:ext uri="{FF2B5EF4-FFF2-40B4-BE49-F238E27FC236}">
-                  <a16:creationId xmlns:a16="http://schemas.microsoft.com/office/drawing/2014/main" id="{3E438F76-2ED4-50D6-911C-B743A7E83D9F}"/>
+                  <a16:creationId xmlns:a16="http://schemas.microsoft.com/office/drawing/2014/main" id="{803A79F3-8B3E-536E-022D-5D47588B129B}"/>
                 </a:ext>
               </a:extLst>
             </p:cNvPr>
@@ -9609,10 +9609,10 @@
           </p:grpSpPr>
           <p:grpSp>
             <p:nvGrpSpPr>
-              <p:cNvPr id="35" name="组合 34">
+              <p:cNvPr id="16" name="组合 15">
                 <a:extLst>
                   <a:ext uri="{FF2B5EF4-FFF2-40B4-BE49-F238E27FC236}">
-                    <a16:creationId xmlns:a16="http://schemas.microsoft.com/office/drawing/2014/main" id="{0A32713F-1D54-3BAC-17C2-FCD9765F6A15}"/>
+                    <a16:creationId xmlns:a16="http://schemas.microsoft.com/office/drawing/2014/main" id="{FEFE98AA-2100-C701-8487-91E23AC837E4}"/>
                   </a:ext>
                 </a:extLst>
               </p:cNvPr>
@@ -9629,10 +9629,10 @@
             </p:grpSpPr>
             <p:sp>
               <p:nvSpPr>
-                <p:cNvPr id="37" name="矩形: 圆角 36">
+                <p:cNvPr id="18" name="矩形: 圆角 17">
                   <a:extLst>
                     <a:ext uri="{FF2B5EF4-FFF2-40B4-BE49-F238E27FC236}">
-                      <a16:creationId xmlns:a16="http://schemas.microsoft.com/office/drawing/2014/main" id="{39252389-FAEC-BDD3-0C4A-9C22B1E7CF1A}"/>
+                      <a16:creationId xmlns:a16="http://schemas.microsoft.com/office/drawing/2014/main" id="{D9118C02-69D8-8C45-0696-CBCAF5B38B06}"/>
                     </a:ext>
                   </a:extLst>
                 </p:cNvPr>
@@ -9681,10 +9681,10 @@
             </p:sp>
             <p:sp>
               <p:nvSpPr>
-                <p:cNvPr id="38" name="文本框 37">
+                <p:cNvPr id="19" name="文本框 18">
                   <a:extLst>
                     <a:ext uri="{FF2B5EF4-FFF2-40B4-BE49-F238E27FC236}">
-                      <a16:creationId xmlns:a16="http://schemas.microsoft.com/office/drawing/2014/main" id="{74DC3308-E4D1-5999-6FFB-1BEDCA2C1359}"/>
+                      <a16:creationId xmlns:a16="http://schemas.microsoft.com/office/drawing/2014/main" id="{2AC418CE-3F87-BB77-F784-E35E92A6D2BB}"/>
                     </a:ext>
                   </a:extLst>
                 </p:cNvPr>
@@ -9730,10 +9730,10 @@
           </p:grpSp>
           <p:sp>
             <p:nvSpPr>
-              <p:cNvPr id="36" name="文本框 35">
+              <p:cNvPr id="17" name="文本框 16">
                 <a:extLst>
                   <a:ext uri="{FF2B5EF4-FFF2-40B4-BE49-F238E27FC236}">
-                    <a16:creationId xmlns:a16="http://schemas.microsoft.com/office/drawing/2014/main" id="{485DB1F4-14CB-4B81-9136-2C9DEB456500}"/>
+                    <a16:creationId xmlns:a16="http://schemas.microsoft.com/office/drawing/2014/main" id="{392AE2F5-E4B7-A376-60A5-41CC494FB2BF}"/>
                   </a:ext>
                 </a:extLst>
               </p:cNvPr>
@@ -9771,7 +9771,7 @@
                     <a:latin typeface="微软雅黑" panose="020B0503020204020204" pitchFamily="34" charset="-122"/>
                     <a:ea typeface="微软雅黑" panose="020B0503020204020204" pitchFamily="34" charset="-122"/>
                   </a:rPr>
-                  <a:t>团队协作</a:t>
+                  <a:t>系统设计</a:t>
                 </a:r>
                 <a:endParaRPr lang="en-US" altLang="zh-CN" sz="2400" b="1" dirty="0">
                   <a:solidFill>
@@ -9793,7 +9793,7 @@
                   <a:rPr lang="en-US" altLang="zh-CN" sz="2000" i="1" dirty="0">
                     <a:latin typeface="+mn-ea"/>
                   </a:rPr>
-                  <a:t>Team Cooperation</a:t>
+                  <a:t>System Design</a:t>
                 </a:r>
                 <a:endParaRPr lang="en-US" altLang="zh-CN" sz="2000" b="1" i="1" dirty="0">
                   <a:solidFill>
@@ -9807,10 +9807,10 @@
         </p:grpSp>
         <p:sp>
           <p:nvSpPr>
-            <p:cNvPr id="34" name="任意多边形: 形状 33">
+            <p:cNvPr id="15" name="任意多边形: 形状 14">
               <a:extLst>
                 <a:ext uri="{FF2B5EF4-FFF2-40B4-BE49-F238E27FC236}">
-                  <a16:creationId xmlns:a16="http://schemas.microsoft.com/office/drawing/2014/main" id="{BB9F8A21-6DF5-0117-9418-4C9DBB76ED21}"/>
+                  <a16:creationId xmlns:a16="http://schemas.microsoft.com/office/drawing/2014/main" id="{4B6063CD-0491-2E9F-CAB5-8F96849ECC69}"/>
                 </a:ext>
               </a:extLst>
             </p:cNvPr>
@@ -24280,9 +24280,9 @@
         <p:grpSpPr>
           <a:xfrm>
             <a:off x="8283182" y="1083"/>
-            <a:ext cx="4119882" cy="6858000"/>
+            <a:ext cx="3920357" cy="6858000"/>
             <a:chOff x="8283182" y="1083"/>
-            <a:chExt cx="4119882" cy="6858000"/>
+            <a:chExt cx="3920357" cy="6858000"/>
           </a:xfrm>
         </p:grpSpPr>
         <p:sp>
@@ -24401,7 +24401,7 @@
           </p:nvSpPr>
           <p:spPr>
             <a:xfrm>
-              <a:off x="9642252" y="2709018"/>
+              <a:off x="9442727" y="2709018"/>
               <a:ext cx="2760812" cy="1053622"/>
             </a:xfrm>
             <a:prstGeom prst="rect">
@@ -24430,7 +24430,7 @@
                   <a:latin typeface="微软雅黑" panose="020B0503020204020204" pitchFamily="34" charset="-122"/>
                   <a:ea typeface="微软雅黑" panose="020B0503020204020204" pitchFamily="34" charset="-122"/>
                 </a:rPr>
-                <a:t>系统设计</a:t>
+                <a:t>团队协作</a:t>
               </a:r>
               <a:endParaRPr lang="en-US" altLang="zh-CN" sz="2400" b="1" dirty="0">
                 <a:solidFill>
@@ -24452,7 +24452,7 @@
                 <a:rPr lang="en-US" altLang="zh-CN" sz="2000" i="1" dirty="0">
                   <a:latin typeface="+mn-ea"/>
                 </a:rPr>
-                <a:t>System Design</a:t>
+                <a:t>Team Cooperation</a:t>
               </a:r>
               <a:endParaRPr lang="zh-CN" altLang="en-US" sz="2000" b="1" i="1" dirty="0">
                 <a:solidFill>
@@ -24965,7 +24965,7 @@
                     <a:latin typeface="微软雅黑" panose="020B0503020204020204" pitchFamily="34" charset="-122"/>
                     <a:ea typeface="微软雅黑" panose="020B0503020204020204" pitchFamily="34" charset="-122"/>
                   </a:rPr>
-                  <a:t>团队协作</a:t>
+                  <a:t>系统设计</a:t>
                 </a:r>
                 <a:endParaRPr lang="en-US" altLang="zh-CN" sz="2400" b="1" dirty="0">
                   <a:solidFill>
@@ -24987,7 +24987,7 @@
                   <a:rPr lang="en-US" altLang="zh-CN" sz="2000" i="1" dirty="0">
                     <a:latin typeface="+mn-ea"/>
                   </a:rPr>
-                  <a:t>Team Cooperation</a:t>
+                  <a:t>System Design</a:t>
                 </a:r>
                 <a:endParaRPr lang="en-US" altLang="zh-CN" sz="2000" b="1" i="1" dirty="0">
                   <a:solidFill>
@@ -27207,13 +27207,13 @@
   <p:clrMapOvr>
     <a:masterClrMapping/>
   </p:clrMapOvr>
-  <mc:AlternateContent xmlns:mc="http://schemas.openxmlformats.org/markup-compatibility/2006">
-    <mc:Choice xmlns:p159="http://schemas.microsoft.com/office/powerpoint/2015/09/main" Requires="p159">
+  <mc:AlternateContent xmlns:mc="http://schemas.openxmlformats.org/markup-compatibility/2006" xmlns:p159="http://schemas.microsoft.com/office/powerpoint/2015/09/main">
+    <mc:Choice Requires="p159">
       <p:transition>
         <p159:morph option="byObject"/>
       </p:transition>
     </mc:Choice>
-    <mc:Fallback>
+    <mc:Fallback xmlns="">
       <p:transition>
         <p:fade/>
       </p:transition>
@@ -27552,18 +27552,9 @@
   <p:clrMapOvr>
     <a:masterClrMapping/>
   </p:clrMapOvr>
-  <mc:AlternateContent xmlns:mc="http://schemas.openxmlformats.org/markup-compatibility/2006">
-    <mc:Choice xmlns:p14="http://schemas.microsoft.com/office/powerpoint/2010/main" Requires="p14">
-      <p:transition spd="med" p14:dur="700" advClick="0" advTm="0">
-        <p:fade/>
-      </p:transition>
-    </mc:Choice>
-    <mc:Fallback>
-      <p:transition spd="med" advClick="0" advTm="0">
-        <p:fade/>
-      </p:transition>
-    </mc:Fallback>
-  </mc:AlternateContent>
+  <p:transition advClick="0" advTm="0">
+    <p:fade/>
+  </p:transition>
 </p:sld>
 </file>
 
@@ -31123,7 +31114,7 @@
 <file path=ppt/tags/tag27.xml><?xml version="1.0" encoding="utf-8"?>
 <p:tagLst xmlns:a="http://schemas.openxmlformats.org/drawingml/2006/main" xmlns:r="http://schemas.openxmlformats.org/officeDocument/2006/relationships" xmlns:p="http://schemas.openxmlformats.org/presentationml/2006/main">
   <p:tag name="OFFICEPLUS.TAG" val="43779941-ebb9-4272-ab0a-451395e9a0c0"/>
-  <p:tag name="OFFICEPLUS.OUTLINESECTION" val="5605183"/>
+  <p:tag name="OFFICEPLUS.OUTLINESECTION" val="5605184"/>
 </p:tagLst>
 </file>
 
@@ -31160,16 +31151,16 @@
 
 <file path=ppt/tags/tag31.xml><?xml version="1.0" encoding="utf-8"?>
 <p:tagLst xmlns:a="http://schemas.openxmlformats.org/drawingml/2006/main" xmlns:r="http://schemas.openxmlformats.org/officeDocument/2006/relationships" xmlns:p="http://schemas.openxmlformats.org/presentationml/2006/main">
-  <p:tag name="OFFICEPLUS.TAG" val="43779941-ebb9-4272-ab0a-451395e9a0c0"/>
-  <p:tag name="OFFICEPLUS.OUTLINESECTION" val="5605184"/>
+  <p:tag name="OFFICEPLUS.TEMPLATE" val="b76a2f96-be5c-40da-b532-c32916a8ee15.pptx"/>
+  <p:tag name="OFFICEPLUS.TAG" val="2beb2bf3-40ba-4876-8eff-8450af69fbd8"/>
+  <p:tag name="OFFICEPLUS.OUTLINECONTENT" val="18783631"/>
 </p:tagLst>
 </file>
 
 <file path=ppt/tags/tag32.xml><?xml version="1.0" encoding="utf-8"?>
 <p:tagLst xmlns:a="http://schemas.openxmlformats.org/drawingml/2006/main" xmlns:r="http://schemas.openxmlformats.org/officeDocument/2006/relationships" xmlns:p="http://schemas.openxmlformats.org/presentationml/2006/main">
-  <p:tag name="OFFICEPLUS.TEMPLATE" val="b76a2f96-be5c-40da-b532-c32916a8ee15.pptx"/>
-  <p:tag name="OFFICEPLUS.TAG" val="2beb2bf3-40ba-4876-8eff-8450af69fbd8"/>
-  <p:tag name="OFFICEPLUS.OUTLINECONTENT" val="18783631"/>
+  <p:tag name="OFFICEPLUS.TAG" val="43779941-ebb9-4272-ab0a-451395e9a0c0"/>
+  <p:tag name="OFFICEPLUS.OUTLINESECTION" val="5605183"/>
 </p:tagLst>
 </file>
 
